--- a/hyeonjin_file.pptx
+++ b/hyeonjin_file.pptx
@@ -9,6 +9,7 @@
     <p:sldId id="257" r:id="rId3"/>
     <p:sldId id="258" r:id="rId4"/>
     <p:sldId id="259" r:id="rId5"/>
+    <p:sldId id="260" r:id="rId6"/>
   </p:sldIdLst>
   <p:sldSz cx="12192000" cy="6858000"/>
   <p:notesSz cx="6858000" cy="9144000"/>
@@ -4781,6 +4782,113 @@
 </p:sld>
 </file>
 
+<file path=ppt/slides/slide5.xml><?xml version="1.0" encoding="utf-8"?>
+<p:sld xmlns:a="http://schemas.openxmlformats.org/drawingml/2006/main" xmlns:r="http://schemas.openxmlformats.org/officeDocument/2006/relationships" xmlns:p="http://schemas.openxmlformats.org/presentationml/2006/main">
+  <p:cSld>
+    <p:spTree>
+      <p:nvGrpSpPr>
+        <p:cNvPr id="1" name=""/>
+        <p:cNvGrpSpPr/>
+        <p:nvPr/>
+      </p:nvGrpSpPr>
+      <p:grpSpPr>
+        <a:xfrm>
+          <a:off x="0" y="0"/>
+          <a:ext cx="0" cy="0"/>
+          <a:chOff x="0" y="0"/>
+          <a:chExt cx="0" cy="0"/>
+        </a:xfrm>
+      </p:grpSpPr>
+      <p:pic>
+        <p:nvPicPr>
+          <p:cNvPr id="5" name="그림 4">
+            <a:extLst>
+              <a:ext uri="{FF2B5EF4-FFF2-40B4-BE49-F238E27FC236}">
+                <a16:creationId xmlns:a16="http://schemas.microsoft.com/office/drawing/2014/main" id="{20D5F005-50D3-4B23-B4ED-60CDC86F1F1B}"/>
+              </a:ext>
+            </a:extLst>
+          </p:cNvPr>
+          <p:cNvPicPr>
+            <a:picLocks noChangeAspect="1"/>
+          </p:cNvPicPr>
+          <p:nvPr/>
+        </p:nvPicPr>
+        <p:blipFill>
+          <a:blip r:embed="rId2"/>
+          <a:stretch>
+            <a:fillRect/>
+          </a:stretch>
+        </p:blipFill>
+        <p:spPr>
+          <a:xfrm>
+            <a:off x="520731" y="736592"/>
+            <a:ext cx="11004234" cy="6043184"/>
+          </a:xfrm>
+          <a:prstGeom prst="rect">
+            <a:avLst/>
+          </a:prstGeom>
+        </p:spPr>
+      </p:pic>
+      <p:sp>
+        <p:nvSpPr>
+          <p:cNvPr id="6" name="TextBox 5">
+            <a:extLst>
+              <a:ext uri="{FF2B5EF4-FFF2-40B4-BE49-F238E27FC236}">
+                <a16:creationId xmlns:a16="http://schemas.microsoft.com/office/drawing/2014/main" id="{F121345A-12C6-4B38-A8C2-90F617A7D58E}"/>
+              </a:ext>
+            </a:extLst>
+          </p:cNvPr>
+          <p:cNvSpPr txBox="1"/>
+          <p:nvPr/>
+        </p:nvSpPr>
+        <p:spPr>
+          <a:xfrm flipH="1">
+            <a:off x="128013" y="111155"/>
+            <a:ext cx="10113266" cy="584775"/>
+          </a:xfrm>
+          <a:prstGeom prst="rect">
+            <a:avLst/>
+          </a:prstGeom>
+          <a:noFill/>
+        </p:spPr>
+        <p:txBody>
+          <a:bodyPr wrap="square" rtlCol="0">
+            <a:spAutoFit/>
+          </a:bodyPr>
+          <a:lstStyle/>
+          <a:p>
+            <a:r>
+              <a:rPr lang="en-US" altLang="ko-KR" sz="3200" dirty="0"/>
+              <a:t>Logger </a:t>
+            </a:r>
+            <a:r>
+              <a:rPr lang="ko-KR" altLang="en-US" sz="3200" dirty="0"/>
+              <a:t>작성 시 가독성 향상 위한 </a:t>
+            </a:r>
+            <a:r>
+              <a:rPr lang="en-US" altLang="ko-KR" sz="3200" dirty="0"/>
+              <a:t>Refactoring </a:t>
+            </a:r>
+            <a:r>
+              <a:rPr lang="ko-KR" altLang="en-US" sz="3200" dirty="0"/>
+              <a:t>적용</a:t>
+            </a:r>
+          </a:p>
+        </p:txBody>
+      </p:sp>
+    </p:spTree>
+    <p:extLst>
+      <p:ext uri="{BB962C8B-B14F-4D97-AF65-F5344CB8AC3E}">
+        <p14:creationId xmlns:p14="http://schemas.microsoft.com/office/powerpoint/2010/main" val="2411672574"/>
+      </p:ext>
+    </p:extLst>
+  </p:cSld>
+  <p:clrMapOvr>
+    <a:masterClrMapping/>
+  </p:clrMapOvr>
+</p:sld>
+</file>
+
 <file path=ppt/theme/theme1.xml><?xml version="1.0" encoding="utf-8"?>
 <a:theme xmlns:a="http://schemas.openxmlformats.org/drawingml/2006/main" name="Office 테마">
   <a:themeElements>

--- a/hyeonjin_file.pptx
+++ b/hyeonjin_file.pptx
@@ -3701,6 +3701,162 @@
           </p:spPr>
         </p:pic>
       </p:grpSp>
+      <p:sp>
+        <p:nvSpPr>
+          <p:cNvPr id="21" name="직사각형 20">
+            <a:extLst>
+              <a:ext uri="{FF2B5EF4-FFF2-40B4-BE49-F238E27FC236}">
+                <a16:creationId xmlns:a16="http://schemas.microsoft.com/office/drawing/2014/main" id="{3E072F9E-54AE-46B1-9026-1E31C33E0A2E}"/>
+              </a:ext>
+            </a:extLst>
+          </p:cNvPr>
+          <p:cNvSpPr/>
+          <p:nvPr/>
+        </p:nvSpPr>
+        <p:spPr>
+          <a:xfrm>
+            <a:off x="7351776" y="2971801"/>
+            <a:ext cx="3867912" cy="2066544"/>
+          </a:xfrm>
+          <a:prstGeom prst="rect">
+            <a:avLst/>
+          </a:prstGeom>
+          <a:noFill/>
+          <a:ln w="38100">
+            <a:solidFill>
+              <a:srgbClr val="FF0000"/>
+            </a:solidFill>
+          </a:ln>
+        </p:spPr>
+        <p:style>
+          <a:lnRef idx="2">
+            <a:schemeClr val="accent1">
+              <a:shade val="50000"/>
+            </a:schemeClr>
+          </a:lnRef>
+          <a:fillRef idx="1">
+            <a:schemeClr val="accent1"/>
+          </a:fillRef>
+          <a:effectRef idx="0">
+            <a:schemeClr val="accent1"/>
+          </a:effectRef>
+          <a:fontRef idx="minor">
+            <a:schemeClr val="lt1"/>
+          </a:fontRef>
+        </p:style>
+        <p:txBody>
+          <a:bodyPr rtlCol="0" anchor="ctr"/>
+          <a:lstStyle/>
+          <a:p>
+            <a:pPr algn="ctr"/>
+            <a:endParaRPr lang="ko-KR" altLang="en-US"/>
+          </a:p>
+        </p:txBody>
+      </p:sp>
+      <p:sp>
+        <p:nvSpPr>
+          <p:cNvPr id="22" name="직사각형 21">
+            <a:extLst>
+              <a:ext uri="{FF2B5EF4-FFF2-40B4-BE49-F238E27FC236}">
+                <a16:creationId xmlns:a16="http://schemas.microsoft.com/office/drawing/2014/main" id="{CE8047EE-9FEE-4FCF-B5C0-A58B46F830DD}"/>
+              </a:ext>
+            </a:extLst>
+          </p:cNvPr>
+          <p:cNvSpPr/>
+          <p:nvPr/>
+        </p:nvSpPr>
+        <p:spPr>
+          <a:xfrm>
+            <a:off x="7397496" y="6161399"/>
+            <a:ext cx="1581912" cy="257690"/>
+          </a:xfrm>
+          <a:prstGeom prst="rect">
+            <a:avLst/>
+          </a:prstGeom>
+          <a:noFill/>
+          <a:ln w="38100">
+            <a:solidFill>
+              <a:srgbClr val="FF0000"/>
+            </a:solidFill>
+          </a:ln>
+        </p:spPr>
+        <p:style>
+          <a:lnRef idx="2">
+            <a:schemeClr val="accent1">
+              <a:shade val="50000"/>
+            </a:schemeClr>
+          </a:lnRef>
+          <a:fillRef idx="1">
+            <a:schemeClr val="accent1"/>
+          </a:fillRef>
+          <a:effectRef idx="0">
+            <a:schemeClr val="accent1"/>
+          </a:effectRef>
+          <a:fontRef idx="minor">
+            <a:schemeClr val="lt1"/>
+          </a:fontRef>
+        </p:style>
+        <p:txBody>
+          <a:bodyPr rtlCol="0" anchor="ctr"/>
+          <a:lstStyle/>
+          <a:p>
+            <a:pPr algn="ctr"/>
+            <a:endParaRPr lang="ko-KR" altLang="en-US"/>
+          </a:p>
+        </p:txBody>
+      </p:sp>
+      <p:sp>
+        <p:nvSpPr>
+          <p:cNvPr id="23" name="직사각형 22">
+            <a:extLst>
+              <a:ext uri="{FF2B5EF4-FFF2-40B4-BE49-F238E27FC236}">
+                <a16:creationId xmlns:a16="http://schemas.microsoft.com/office/drawing/2014/main" id="{12B997FD-E295-4C37-8EC9-76CFF66AC365}"/>
+              </a:ext>
+            </a:extLst>
+          </p:cNvPr>
+          <p:cNvSpPr/>
+          <p:nvPr/>
+        </p:nvSpPr>
+        <p:spPr>
+          <a:xfrm>
+            <a:off x="1339596" y="3621024"/>
+            <a:ext cx="5728715" cy="2496753"/>
+          </a:xfrm>
+          <a:prstGeom prst="rect">
+            <a:avLst/>
+          </a:prstGeom>
+          <a:noFill/>
+          <a:ln w="38100">
+            <a:solidFill>
+              <a:srgbClr val="FF0000"/>
+            </a:solidFill>
+          </a:ln>
+        </p:spPr>
+        <p:style>
+          <a:lnRef idx="2">
+            <a:schemeClr val="accent1">
+              <a:shade val="50000"/>
+            </a:schemeClr>
+          </a:lnRef>
+          <a:fillRef idx="1">
+            <a:schemeClr val="accent1"/>
+          </a:fillRef>
+          <a:effectRef idx="0">
+            <a:schemeClr val="accent1"/>
+          </a:effectRef>
+          <a:fontRef idx="minor">
+            <a:schemeClr val="lt1"/>
+          </a:fontRef>
+        </p:style>
+        <p:txBody>
+          <a:bodyPr rtlCol="0" anchor="ctr"/>
+          <a:lstStyle/>
+          <a:p>
+            <a:pPr algn="ctr"/>
+            <a:endParaRPr lang="ko-KR" altLang="en-US"/>
+          </a:p>
+        </p:txBody>
+      </p:sp>
     </p:spTree>
     <p:extLst>
       <p:ext uri="{BB962C8B-B14F-4D97-AF65-F5344CB8AC3E}">
@@ -5174,7 +5330,40 @@
       </a:bgFillStyleLst>
     </a:fmtScheme>
   </a:themeElements>
-  <a:objectDefaults/>
+  <a:objectDefaults>
+    <a:spDef>
+      <a:spPr>
+        <a:noFill/>
+        <a:ln w="38100">
+          <a:solidFill>
+            <a:srgbClr val="FF0000"/>
+          </a:solidFill>
+        </a:ln>
+      </a:spPr>
+      <a:bodyPr rtlCol="0" anchor="ctr"/>
+      <a:lstStyle>
+        <a:defPPr algn="ctr">
+          <a:defRPr/>
+        </a:defPPr>
+      </a:lstStyle>
+      <a:style>
+        <a:lnRef idx="2">
+          <a:schemeClr val="accent1">
+            <a:shade val="50000"/>
+          </a:schemeClr>
+        </a:lnRef>
+        <a:fillRef idx="1">
+          <a:schemeClr val="accent1"/>
+        </a:fillRef>
+        <a:effectRef idx="0">
+          <a:schemeClr val="accent1"/>
+        </a:effectRef>
+        <a:fontRef idx="minor">
+          <a:schemeClr val="lt1"/>
+        </a:fontRef>
+      </a:style>
+    </a:spDef>
+  </a:objectDefaults>
   <a:extraClrSchemeLst/>
   <a:extLst>
     <a:ext uri="{05A4C25C-085E-4340-85A3-A5531E510DB2}">
